--- a/03-writing_a_test_first.pptx
+++ b/03-writing_a_test_first.pptx
@@ -333,7 +333,7 @@
               <a:pPr>
                 <a:defRPr/>
               </a:pPr>
-              <a:t>2018-03-23</a:t>
+              <a:t>2018-03-26</a:t>
             </a:fld>
             <a:endParaRPr lang="en-US" dirty="0"/>
           </a:p>
@@ -2382,7 +2382,7 @@
             </a:pPr>
             <a:r>
               <a:rPr lang="en-US" baseline="0" dirty="0"/>
-              <a:t>TDD generically focuses on the unit of software any level. It is the process of writing the test first, implementing the unit, and then verifying the implementation with the test that was written.</a:t>
+              <a:t>TDD generically focuses on the unit of software at any level. It is the process of writing the test first, implementing the unit, and then verifying the implementation with the test that was written.</a:t>
             </a:r>
           </a:p>
           <a:p>
@@ -14706,7 +14706,7 @@
                 <a:ea typeface="+mn-ea"/>
                 <a:cs typeface="+mn-cs"/>
               </a:rPr>
-              <a:t>2017</a:t>
+              <a:t>2018</a:t>
             </a:r>
             <a:r>
               <a:rPr lang="en-US" dirty="0">
@@ -15468,7 +15468,7 @@
                 <a:ea typeface="+mn-ea"/>
                 <a:cs typeface="+mn-cs"/>
               </a:rPr>
-              <a:t>2017</a:t>
+              <a:t>2018</a:t>
             </a:r>
             <a:r>
               <a:rPr lang="en-US" dirty="0">
@@ -16479,6 +16479,12 @@
           <a:p>
             <a:r>
               <a:rPr lang="de-DE" dirty="0"/>
+              <a:t>├── LICENSE</a:t>
+            </a:r>
+          </a:p>
+          <a:p>
+            <a:r>
+              <a:rPr lang="de-DE" dirty="0"/>
               <a:t>├── </a:t>
             </a:r>
             <a:r>
@@ -16523,24 +16529,13 @@
           <a:p>
             <a:r>
               <a:rPr lang="de-DE" dirty="0"/>
-              <a:t>├── </a:t>
-            </a:r>
-            <a:r>
-              <a:rPr lang="de-DE" dirty="0" err="1"/>
-              <a:t>spec</a:t>
-            </a:r>
-            <a:endParaRPr lang="de-DE" dirty="0"/>
+              <a:t>│   ...  </a:t>
+            </a:r>
           </a:p>
           <a:p>
             <a:r>
               <a:rPr lang="de-DE" dirty="0"/>
-              <a:t>│   ...  </a:t>
-            </a:r>
-          </a:p>
-          <a:p>
-            <a:r>
-              <a:rPr lang="de-DE" dirty="0"/>
-              <a:t>6 </a:t>
+              <a:t>7 </a:t>
             </a:r>
             <a:r>
               <a:rPr lang="de-DE" dirty="0" err="1"/>
@@ -16548,7 +16543,7 @@
             </a:r>
             <a:r>
               <a:rPr lang="de-DE" dirty="0"/>
-              <a:t>, 8 </a:t>
+              <a:t>, 9 </a:t>
             </a:r>
             <a:r>
               <a:rPr lang="de-DE" dirty="0" err="1"/>
@@ -18104,8 +18099,8 @@
         </p:nvSpPr>
         <p:spPr bwMode="auto">
           <a:xfrm>
-            <a:off x="7253056" y="3407918"/>
-            <a:ext cx="3124940" cy="375083"/>
+            <a:off x="7253055" y="3407918"/>
+            <a:ext cx="3348269" cy="375083"/>
           </a:xfrm>
           <a:prstGeom prst="rect">
             <a:avLst/>
@@ -19195,7 +19190,7 @@
           <a:p>
             <a:r>
               <a:rPr lang="en-US" dirty="0"/>
-              <a:t>describe port(80) do</a:t>
+              <a:t>describe port(80), :skip do</a:t>
             </a:r>
           </a:p>
           <a:p>
@@ -20228,15 +20223,7 @@
           <a:p>
             <a:r>
               <a:rPr lang="en-US" dirty="0"/>
-              <a:t>  it { </a:t>
-            </a:r>
-            <a:r>
-              <a:rPr lang="en-US" dirty="0" err="1"/>
-              <a:t>should_not</a:t>
-            </a:r>
-            <a:r>
-              <a:rPr lang="en-US" dirty="0"/>
-              <a:t> </a:t>
+              <a:t>  it { should </a:t>
             </a:r>
             <a:r>
               <a:rPr lang="en-US" dirty="0" err="1"/>
@@ -23775,7 +23762,7 @@
             </a:r>
             <a:r>
               <a:rPr lang="en-US" sz="2400" dirty="0"/>
-              <a:t>  Verifier  Transport  Last Action</a:t>
+              <a:t>  Verifier  Transport  Last Action    La</a:t>
             </a:r>
           </a:p>
           <a:p>
@@ -23805,7 +23792,7 @@
             </a:r>
             <a:r>
               <a:rPr lang="en-US" sz="2400" dirty="0"/>
-              <a:t>        &lt;Not Created&gt;</a:t>
+              <a:t>        &lt;Not Created&gt;  &lt;N</a:t>
             </a:r>
           </a:p>
         </p:txBody>
@@ -26236,7 +26223,7 @@
           <a:p>
             <a:r>
               <a:rPr lang="en-US" dirty="0"/>
-              <a:t>-----&gt; Starting Kitchen (v1.11.1)</a:t>
+              <a:t>-----&gt; Starting Kitchen (v1.19.2)</a:t>
             </a:r>
           </a:p>
           <a:p>
@@ -26728,7 +26715,7 @@
           <a:p>
             <a:r>
               <a:rPr lang="en-US" dirty="0"/>
-              <a:t>----&gt; Starting Kitchen (v1.11.1)</a:t>
+              <a:t>----&gt; Starting Kitchen (v1.19.2)</a:t>
             </a:r>
           </a:p>
           <a:p>
@@ -27067,7 +27054,7 @@
           <a:p>
             <a:r>
               <a:rPr lang="en-US" dirty="0"/>
-              <a:t>-----&gt; Starting Kitchen (v1.11.1)</a:t>
+              <a:t>-----&gt; Starting Kitchen (v1.19.2)</a:t>
             </a:r>
           </a:p>
           <a:p>
@@ -27286,27 +27273,15 @@
           <a:lstStyle/>
           <a:p>
             <a:r>
-              <a:rPr lang="en-US" sz="2000" dirty="0">
-                <a:solidFill>
-                  <a:srgbClr val="FF0000"/>
-                </a:solidFill>
-              </a:rPr>
+              <a:rPr lang="en-US" sz="2000" dirty="0"/>
               <a:t>Target:  </a:t>
             </a:r>
             <a:r>
-              <a:rPr lang="en-US" sz="2000" dirty="0" err="1">
-                <a:solidFill>
-                  <a:srgbClr val="FF0000"/>
-                </a:solidFill>
-              </a:rPr>
+              <a:rPr lang="en-US" sz="2000" dirty="0" err="1"/>
               <a:t>ssh</a:t>
             </a:r>
             <a:r>
-              <a:rPr lang="en-US" sz="2000" dirty="0">
-                <a:solidFill>
-                  <a:srgbClr val="FF0000"/>
-                </a:solidFill>
-              </a:rPr>
+              <a:rPr lang="en-US" sz="2000" dirty="0"/>
               <a:t>://kitchen@localhost:32768</a:t>
             </a:r>
           </a:p>
@@ -27319,43 +27294,57 @@
           </a:p>
           <a:p>
             <a:r>
+              <a:rPr lang="en-US" sz="2000" dirty="0"/>
+              <a:t>  Port 80</a:t>
+            </a:r>
+          </a:p>
+          <a:p>
+            <a:r>
               <a:rPr lang="en-US" sz="2000" dirty="0">
                 <a:solidFill>
                   <a:srgbClr val="FF0000"/>
                 </a:solidFill>
               </a:rPr>
-              <a:t>  ✖  Port 80 should be listening (expected `Port 80.listening?` to return true, got false)</a:t>
-            </a:r>
-          </a:p>
-          <a:p>
+              <a:t>     </a:t>
+            </a:r>
             <a:r>
               <a:rPr lang="en-US" sz="2000" dirty="0">
                 <a:solidFill>
-                  <a:srgbClr val="FF0000"/>
+                  <a:srgbClr val="FF8700"/>
                 </a:solidFill>
               </a:rPr>
-              <a:t>  ✖  Command curl </a:t>
+              <a:t>∅  should be listening</a:t>
+            </a:r>
+          </a:p>
+          <a:p>
+            <a:r>
+              <a:rPr lang="en-US" sz="2000" dirty="0">
+                <a:solidFill>
+                  <a:srgbClr val="FF8700"/>
+                </a:solidFill>
+              </a:rPr>
+              <a:t>     expected `Port 80.listening?` to return true, got false</a:t>
+            </a:r>
+          </a:p>
+          <a:p>
+            <a:r>
+              <a:rPr lang="en-US" sz="2000" dirty="0"/>
+              <a:t>  Command curl</a:t>
+            </a:r>
+          </a:p>
+          <a:p>
+            <a:r>
+              <a:rPr lang="en-US" sz="2000" dirty="0">
+                <a:solidFill>
+                  <a:srgbClr val="FF8700"/>
+                </a:solidFill>
+              </a:rPr>
+              <a:t>     ∅  localhost </a:t>
             </a:r>
             <a:r>
               <a:rPr lang="en-US" sz="2000" dirty="0" err="1">
                 <a:solidFill>
-                  <a:srgbClr val="FF0000"/>
-                </a:solidFill>
-              </a:rPr>
-              <a:t>localhost</a:t>
-            </a:r>
-            <a:r>
-              <a:rPr lang="en-US" sz="2000" dirty="0">
-                <a:solidFill>
-                  <a:srgbClr val="FF0000"/>
-                </a:solidFill>
-              </a:rPr>
-              <a:t> </a:t>
-            </a:r>
-            <a:r>
-              <a:rPr lang="en-US" sz="2000" dirty="0" err="1">
-                <a:solidFill>
-                  <a:srgbClr val="FF0000"/>
+                  <a:srgbClr val="FF8700"/>
                 </a:solidFill>
               </a:rPr>
               <a:t>stdout</a:t>
@@ -27363,82 +27352,132 @@
             <a:r>
               <a:rPr lang="en-US" sz="2000" dirty="0">
                 <a:solidFill>
+                  <a:srgbClr val="FF8700"/>
+                </a:solidFill>
+              </a:rPr>
+              <a:t> should match /Welcome Home/</a:t>
+            </a:r>
+          </a:p>
+          <a:p>
+            <a:r>
+              <a:rPr lang="en-US" sz="2000" dirty="0">
+                <a:solidFill>
+                  <a:srgbClr val="FF8700"/>
+                </a:solidFill>
+              </a:rPr>
+              <a:t>     expected "" to match /</a:t>
+            </a:r>
+            <a:r>
+              <a:rPr lang="en-US" sz="2000" dirty="0" err="1">
+                <a:solidFill>
+                  <a:srgbClr val="FF8700"/>
+                </a:solidFill>
+              </a:rPr>
+              <a:t>Welchome</a:t>
+            </a:r>
+            <a:r>
+              <a:rPr lang="en-US" sz="2000" dirty="0">
+                <a:solidFill>
+                  <a:srgbClr val="FF8700"/>
+                </a:solidFill>
+              </a:rPr>
+              <a:t> home/</a:t>
+            </a:r>
+          </a:p>
+          <a:p>
+            <a:r>
+              <a:rPr lang="en-US" sz="2000" dirty="0">
+                <a:solidFill>
+                  <a:srgbClr val="FF8700"/>
+                </a:solidFill>
+              </a:rPr>
+              <a:t>     Diff:     @@ -1,2 +1,2 @@</a:t>
+            </a:r>
+          </a:p>
+          <a:p>
+            <a:r>
+              <a:rPr lang="en-US" sz="2000" dirty="0">
+                <a:solidFill>
+                  <a:srgbClr val="FF8700"/>
+                </a:solidFill>
+              </a:rPr>
+              <a:t>     -/Hello, world/</a:t>
+            </a:r>
+          </a:p>
+          <a:p>
+            <a:r>
+              <a:rPr lang="en-US" sz="2000" dirty="0">
+                <a:solidFill>
+                  <a:srgbClr val="FF8700"/>
+                </a:solidFill>
+              </a:rPr>
+              <a:t>     +""</a:t>
+            </a:r>
+          </a:p>
+          <a:p>
+            <a:r>
+              <a:rPr lang="en-US" sz="2000" dirty="0"/>
+              <a:t>Test Summary:</a:t>
+            </a:r>
+            <a:r>
+              <a:rPr lang="en-US" sz="2000" dirty="0">
+                <a:solidFill>
+                  <a:srgbClr val="FDB714"/>
+                </a:solidFill>
+              </a:rPr>
+              <a:t> 0 successful</a:t>
+            </a:r>
+            <a:r>
+              <a:rPr lang="en-US" sz="2000" dirty="0">
+                <a:solidFill>
                   <a:srgbClr val="FF0000"/>
                 </a:solidFill>
               </a:rPr>
-              <a:t> should match /Welcome Home/ (expected "" to match /Welcome Home/</a:t>
-            </a:r>
-          </a:p>
-          <a:p>
+              <a:t>, </a:t>
+            </a:r>
             <a:r>
               <a:rPr lang="en-US" sz="2000" dirty="0">
                 <a:solidFill>
-                  <a:srgbClr val="FF0000"/>
+                  <a:srgbClr val="CB4B15"/>
                 </a:solidFill>
               </a:rPr>
-              <a:t>     Diff:</a:t>
+              <a:t>2 failures</a:t>
+            </a:r>
+            <a:r>
+              <a:rPr lang="en-US" sz="2000" dirty="0"/>
+              <a:t>, 0 skipped</a:t>
             </a:r>
           </a:p>
           <a:p>
             <a:r>
               <a:rPr lang="en-US" sz="2000" dirty="0">
                 <a:solidFill>
-                  <a:srgbClr val="FF0000"/>
+                  <a:srgbClr val="DD312E"/>
                 </a:solidFill>
               </a:rPr>
-              <a:t>     </a:t>
-            </a:r>
+              <a:t>&gt;&gt;&gt;&gt;&gt;&gt; ------Exception-------</a:t>
+            </a:r>
+          </a:p>
+          <a:p>
             <a:r>
               <a:rPr lang="en-US" sz="2000" dirty="0">
                 <a:solidFill>
-                  <a:schemeClr val="accent4"/>
+                  <a:srgbClr val="DD312E"/>
                 </a:solidFill>
               </a:rPr>
-              <a:t>@@ -1,2 +1,2 @@</a:t>
-            </a:r>
-          </a:p>
-          <a:p>
-            <a:r>
-              <a:rPr lang="en-US" sz="2000" dirty="0">
-                <a:solidFill>
-                  <a:srgbClr val="FF0000"/>
+              <a:t>&gt;&gt;&gt;&gt;&gt;&gt; Class: Kitchen::</a:t>
+            </a:r>
+            <a:r>
+              <a:rPr lang="en-US" sz="2000" dirty="0" err="1">
+                <a:solidFill>
+                  <a:srgbClr val="DD312E"/>
                 </a:solidFill>
               </a:rPr>
-              <a:t>     -/Welcome Home/</a:t>
-            </a:r>
-          </a:p>
-          <a:p>
-            <a:r>
-              <a:rPr lang="en-US" sz="2000" dirty="0">
-                <a:solidFill>
-                  <a:srgbClr val="FF0000"/>
-                </a:solidFill>
-              </a:rPr>
-              <a:t>     </a:t>
-            </a:r>
-            <a:r>
-              <a:rPr lang="en-US" sz="2000" dirty="0">
-                <a:solidFill>
-                  <a:schemeClr val="accent6"/>
-                </a:solidFill>
-              </a:rPr>
-              <a:t>+""</a:t>
-            </a:r>
-          </a:p>
-          <a:p>
-            <a:r>
-              <a:rPr lang="en-US" sz="2000" dirty="0">
-                <a:solidFill>
-                  <a:schemeClr val="accent6"/>
-                </a:solidFill>
-              </a:rPr>
-              <a:t>     )</a:t>
-            </a:r>
-          </a:p>
-          <a:p>
+              <a:t>ActionFailed</a:t>
+            </a:r>
             <a:endParaRPr lang="en-US" sz="2000" dirty="0">
               <a:solidFill>
-                <a:srgbClr val="FF0000"/>
+                <a:srgbClr val="DD312E"/>
               </a:solidFill>
             </a:endParaRPr>
           </a:p>
@@ -27446,105 +27485,42 @@
             <a:r>
               <a:rPr lang="en-US" sz="2000" dirty="0">
                 <a:solidFill>
-                  <a:srgbClr val="FF0000"/>
+                  <a:srgbClr val="DD312E"/>
                 </a:solidFill>
               </a:rPr>
-              <a:t>Summary</a:t>
-            </a:r>
+              <a:t>&gt;&gt;&gt;&gt;&gt;&gt; Message: 1 actions failed.</a:t>
+            </a:r>
+          </a:p>
+          <a:p>
             <a:r>
               <a:rPr lang="en-US" sz="2000" dirty="0">
                 <a:solidFill>
-                  <a:srgbClr val="FDB714"/>
+                  <a:srgbClr val="DD312E"/>
                 </a:solidFill>
               </a:rPr>
-              <a:t>: 0 successful</a:t>
+              <a:t>&gt;&gt;&gt;&gt;&gt;&gt;     Verify failed on instance &lt;default-centos-69&gt;.  Please see .kitchen/logs/</a:t>
+            </a:r>
+            <a:r>
+              <a:rPr lang="en-US" sz="2000" dirty="0" err="1">
+                <a:solidFill>
+                  <a:srgbClr val="DD312E"/>
+                </a:solidFill>
+              </a:rPr>
+              <a:t>defau</a:t>
             </a:r>
             <a:r>
               <a:rPr lang="en-US" sz="2000" dirty="0">
                 <a:solidFill>
-                  <a:srgbClr val="FF0000"/>
+                  <a:srgbClr val="DD312E"/>
                 </a:solidFill>
               </a:rPr>
-              <a:t>, 2 failures, </a:t>
-            </a:r>
-            <a:r>
-              <a:rPr lang="en-US" sz="2000" dirty="0">
-                <a:solidFill>
-                  <a:srgbClr val="7F7F7F"/>
-                </a:solidFill>
-              </a:rPr>
-              <a:t>0 skipped</a:t>
-            </a:r>
-          </a:p>
-          <a:p>
-            <a:r>
-              <a:rPr lang="en-US" sz="2000" dirty="0">
-                <a:solidFill>
-                  <a:srgbClr val="FF0000"/>
-                </a:solidFill>
-              </a:rPr>
-              <a:t>&gt;&gt;&gt;&gt;&gt;&gt; ------Exception-------</a:t>
-            </a:r>
-          </a:p>
-          <a:p>
-            <a:r>
-              <a:rPr lang="en-US" sz="2000" dirty="0">
-                <a:solidFill>
-                  <a:srgbClr val="FF0000"/>
-                </a:solidFill>
-              </a:rPr>
-              <a:t>&gt;&gt;&gt;&gt;&gt;&gt; Class: Kitchen::</a:t>
-            </a:r>
-            <a:r>
-              <a:rPr lang="en-US" sz="2000" dirty="0" err="1">
-                <a:solidFill>
-                  <a:srgbClr val="FF0000"/>
-                </a:solidFill>
-              </a:rPr>
-              <a:t>ActionFailed</a:t>
-            </a:r>
-            <a:endParaRPr lang="en-US" sz="2000" dirty="0">
+              <a:t>...</a:t>
+            </a:r>
+            <a:endParaRPr lang="en-US" sz="2000" b="1" dirty="0">
               <a:solidFill>
-                <a:srgbClr val="FF0000"/>
+                <a:srgbClr val="DD312E"/>
               </a:solidFill>
             </a:endParaRPr>
-          </a:p>
-          <a:p>
-            <a:r>
-              <a:rPr lang="en-US" sz="2000" dirty="0">
-                <a:solidFill>
-                  <a:srgbClr val="FF0000"/>
-                </a:solidFill>
-              </a:rPr>
-              <a:t>&gt;&gt;&gt;&gt;&gt;&gt; Message: 1 actions failed.</a:t>
-            </a:r>
-          </a:p>
-          <a:p>
-            <a:r>
-              <a:rPr lang="en-US" sz="2000" dirty="0">
-                <a:solidFill>
-                  <a:srgbClr val="FF0000"/>
-                </a:solidFill>
-              </a:rPr>
-              <a:t>&gt;&gt;&gt;&gt;&gt;&gt;     Verify failed on instance &lt;default-centos-69&gt;.  Please see .kitchen/logs/</a:t>
-            </a:r>
-            <a:r>
-              <a:rPr lang="en-US" sz="2000" dirty="0" err="1">
-                <a:solidFill>
-                  <a:srgbClr val="FF0000"/>
-                </a:solidFill>
-              </a:rPr>
-              <a:t>defau</a:t>
-            </a:r>
-            <a:r>
-              <a:rPr lang="en-US" sz="2000" dirty="0">
-                <a:solidFill>
-                  <a:srgbClr val="FF0000"/>
-                </a:solidFill>
-              </a:rPr>
-              <a:t>...</a:t>
-            </a:r>
-            <a:endParaRPr lang="en-US" sz="2000" b="1" dirty="0"/>
           </a:p>
         </p:txBody>
       </p:sp>
@@ -27650,43 +27626,57 @@
           <a:lstStyle/>
           <a:p>
             <a:r>
+              <a:rPr lang="en-US" dirty="0"/>
+              <a:t> Port 80</a:t>
+            </a:r>
+          </a:p>
+          <a:p>
+            <a:r>
               <a:rPr lang="en-US" dirty="0">
                 <a:solidFill>
                   <a:srgbClr val="FF0000"/>
                 </a:solidFill>
               </a:rPr>
-              <a:t>  ✖  Port 80 should be listening (expected `Port 80.listening?` to return true, got false)</a:t>
-            </a:r>
-          </a:p>
-          <a:p>
+              <a:t>     </a:t>
+            </a:r>
             <a:r>
               <a:rPr lang="en-US" dirty="0">
                 <a:solidFill>
-                  <a:srgbClr val="FF0000"/>
+                  <a:srgbClr val="FF8700"/>
                 </a:solidFill>
               </a:rPr>
-              <a:t>  ✖  Command curl </a:t>
+              <a:t>∅  should be listening</a:t>
+            </a:r>
+          </a:p>
+          <a:p>
+            <a:r>
+              <a:rPr lang="en-US" dirty="0">
+                <a:solidFill>
+                  <a:srgbClr val="FF8700"/>
+                </a:solidFill>
+              </a:rPr>
+              <a:t>     expected `Port 80.listening?` to return true, got false</a:t>
+            </a:r>
+          </a:p>
+          <a:p>
+            <a:r>
+              <a:rPr lang="en-US" dirty="0"/>
+              <a:t>  Command curl</a:t>
+            </a:r>
+          </a:p>
+          <a:p>
+            <a:r>
+              <a:rPr lang="en-US" dirty="0">
+                <a:solidFill>
+                  <a:srgbClr val="FF8700"/>
+                </a:solidFill>
+              </a:rPr>
+              <a:t>     ∅  localhost </a:t>
             </a:r>
             <a:r>
               <a:rPr lang="en-US" dirty="0" err="1">
                 <a:solidFill>
-                  <a:srgbClr val="FF0000"/>
-                </a:solidFill>
-              </a:rPr>
-              <a:t>localhost</a:t>
-            </a:r>
-            <a:r>
-              <a:rPr lang="en-US" dirty="0">
-                <a:solidFill>
-                  <a:srgbClr val="FF0000"/>
-                </a:solidFill>
-              </a:rPr>
-              <a:t> </a:t>
-            </a:r>
-            <a:r>
-              <a:rPr lang="en-US" dirty="0" err="1">
-                <a:solidFill>
-                  <a:srgbClr val="FF0000"/>
+                  <a:srgbClr val="FF8700"/>
                 </a:solidFill>
               </a:rPr>
               <a:t>stdout</a:t>
@@ -27694,76 +27684,50 @@
             <a:r>
               <a:rPr lang="en-US" dirty="0">
                 <a:solidFill>
-                  <a:srgbClr val="FF0000"/>
+                  <a:srgbClr val="FF8700"/>
                 </a:solidFill>
               </a:rPr>
-              <a:t> should match /Welcome Home/ (expected "" to match /Welcome Home/</a:t>
+              <a:t> should match /Hello, world/</a:t>
             </a:r>
           </a:p>
           <a:p>
             <a:r>
               <a:rPr lang="en-US" dirty="0">
                 <a:solidFill>
-                  <a:srgbClr val="FF0000"/>
+                  <a:srgbClr val="FF8700"/>
                 </a:solidFill>
               </a:rPr>
-              <a:t>     Diff:</a:t>
+              <a:t>     expected "" to match /Welcome Home/</a:t>
             </a:r>
           </a:p>
           <a:p>
             <a:r>
               <a:rPr lang="en-US" dirty="0">
                 <a:solidFill>
-                  <a:srgbClr val="FF0000"/>
+                  <a:srgbClr val="FF8700"/>
                 </a:solidFill>
               </a:rPr>
-              <a:t>     </a:t>
-            </a:r>
+              <a:t>     Diff:     @@ -1,2 +1,2 @@</a:t>
+            </a:r>
+          </a:p>
+          <a:p>
             <a:r>
               <a:rPr lang="en-US" dirty="0">
                 <a:solidFill>
-                  <a:schemeClr val="accent4"/>
+                  <a:srgbClr val="FF8700"/>
                 </a:solidFill>
               </a:rPr>
-              <a:t>@@ -1,2 +1,2 @@</a:t>
+              <a:t>     -/Hello, world/</a:t>
             </a:r>
           </a:p>
           <a:p>
             <a:r>
               <a:rPr lang="en-US" dirty="0">
                 <a:solidFill>
-                  <a:srgbClr val="FF0000"/>
+                  <a:srgbClr val="FF8700"/>
                 </a:solidFill>
               </a:rPr>
-              <a:t>     -/Welcome Home/</a:t>
-            </a:r>
-          </a:p>
-          <a:p>
-            <a:r>
-              <a:rPr lang="en-US" dirty="0">
-                <a:solidFill>
-                  <a:srgbClr val="FF0000"/>
-                </a:solidFill>
-              </a:rPr>
-              <a:t>     </a:t>
-            </a:r>
-            <a:r>
-              <a:rPr lang="en-US" dirty="0">
-                <a:solidFill>
-                  <a:schemeClr val="accent6"/>
-                </a:solidFill>
-              </a:rPr>
-              <a:t>+""</a:t>
-            </a:r>
-          </a:p>
-          <a:p>
-            <a:r>
-              <a:rPr lang="en-US" dirty="0">
-                <a:solidFill>
-                  <a:schemeClr val="accent6"/>
-                </a:solidFill>
-              </a:rPr>
-              <a:t>     )</a:t>
+              <a:t>     +""</a:t>
             </a:r>
             <a:endParaRPr lang="en-US" dirty="0">
               <a:solidFill>
@@ -28174,14 +28138,15 @@
         <p:nvCxnSpPr>
           <p:cNvPr id="26" name="Straight Connector 25"/>
           <p:cNvCxnSpPr>
+            <a:cxnSpLocks/>
             <a:endCxn id="5" idx="1"/>
           </p:cNvCxnSpPr>
           <p:nvPr/>
         </p:nvCxnSpPr>
         <p:spPr>
-          <a:xfrm>
-            <a:off x="852281" y="3007620"/>
-            <a:ext cx="10364829" cy="990418"/>
+          <a:xfrm flipV="1">
+            <a:off x="2214563" y="3998038"/>
+            <a:ext cx="9002547" cy="1354490"/>
           </a:xfrm>
           <a:prstGeom prst="line">
             <a:avLst/>
@@ -28211,15 +28176,15 @@
         <p:nvCxnSpPr>
           <p:cNvPr id="28" name="Straight Connector 27"/>
           <p:cNvCxnSpPr>
-            <a:stCxn id="78" idx="2"/>
+            <a:cxnSpLocks/>
             <a:endCxn id="6" idx="1"/>
           </p:cNvCxnSpPr>
           <p:nvPr/>
         </p:nvCxnSpPr>
         <p:spPr>
           <a:xfrm>
-            <a:off x="3054228" y="4864693"/>
-            <a:ext cx="8159680" cy="47354"/>
+            <a:off x="7664824" y="4912047"/>
+            <a:ext cx="3549084" cy="0"/>
           </a:xfrm>
           <a:prstGeom prst="line">
             <a:avLst/>
@@ -28253,7 +28218,7 @@
         </p:nvCxnSpPr>
         <p:spPr>
           <a:xfrm>
-            <a:off x="709178" y="2976914"/>
+            <a:off x="1825765" y="5352528"/>
             <a:ext cx="403086" cy="0"/>
           </a:xfrm>
           <a:prstGeom prst="line">
@@ -28288,8 +28253,8 @@
         </p:nvSpPr>
         <p:spPr>
           <a:xfrm>
-            <a:off x="2620276" y="4418305"/>
-            <a:ext cx="433952" cy="892776"/>
+            <a:off x="7229559" y="4171312"/>
+            <a:ext cx="433952" cy="1186501"/>
           </a:xfrm>
           <a:prstGeom prst="rightBracket">
             <a:avLst/>
@@ -28327,14 +28292,15 @@
         <p:nvCxnSpPr>
           <p:cNvPr id="27" name="Straight Connector 26"/>
           <p:cNvCxnSpPr>
+            <a:cxnSpLocks/>
             <a:endCxn id="5" idx="1"/>
           </p:cNvCxnSpPr>
           <p:nvPr/>
         </p:nvCxnSpPr>
         <p:spPr>
-          <a:xfrm>
-            <a:off x="3242009" y="2172170"/>
-            <a:ext cx="7975101" cy="1825868"/>
+          <a:xfrm flipH="1">
+            <a:off x="11217110" y="2643546"/>
+            <a:ext cx="741528" cy="1354492"/>
           </a:xfrm>
           <a:prstGeom prst="line">
             <a:avLst/>
@@ -28368,7 +28334,7 @@
         </p:nvCxnSpPr>
         <p:spPr>
           <a:xfrm>
-            <a:off x="2699830" y="2143483"/>
+            <a:off x="11600942" y="2643546"/>
             <a:ext cx="993386" cy="0"/>
           </a:xfrm>
           <a:prstGeom prst="line">
@@ -28463,48 +28429,62 @@
         <p:spPr/>
         <p:txBody>
           <a:bodyPr>
-            <a:normAutofit fontScale="70000" lnSpcReduction="20000"/>
+            <a:normAutofit fontScale="62500" lnSpcReduction="20000"/>
           </a:bodyPr>
           <a:lstStyle/>
           <a:p>
             <a:r>
+              <a:rPr lang="en-US" dirty="0"/>
+              <a:t> Port 80</a:t>
+            </a:r>
+          </a:p>
+          <a:p>
+            <a:r>
               <a:rPr lang="en-US" dirty="0">
                 <a:solidFill>
                   <a:srgbClr val="FF0000"/>
                 </a:solidFill>
               </a:rPr>
-              <a:t>  ✖  Port 80 should be listening (expected `Port 80.listening?` to return true, got false)</a:t>
-            </a:r>
-          </a:p>
-          <a:p>
+              <a:t>     </a:t>
+            </a:r>
             <a:r>
               <a:rPr lang="en-US" dirty="0">
                 <a:solidFill>
-                  <a:srgbClr val="FF0000"/>
+                  <a:srgbClr val="FF8700"/>
                 </a:solidFill>
               </a:rPr>
-              <a:t>  ✖  Command curl </a:t>
+              <a:t>∅  should be listening</a:t>
+            </a:r>
+          </a:p>
+          <a:p>
+            <a:r>
+              <a:rPr lang="en-US" dirty="0">
+                <a:solidFill>
+                  <a:srgbClr val="FF8700"/>
+                </a:solidFill>
+              </a:rPr>
+              <a:t>     expected `Port 80.listening?` to return true, got false</a:t>
+            </a:r>
+          </a:p>
+          <a:p>
+            <a:r>
+              <a:rPr lang="en-US" dirty="0"/>
+              <a:t>  Command curl</a:t>
+            </a:r>
+          </a:p>
+          <a:p>
+            <a:r>
+              <a:rPr lang="en-US" dirty="0">
+                <a:solidFill>
+                  <a:srgbClr val="FF8700"/>
+                </a:solidFill>
+              </a:rPr>
+              <a:t>     ∅  localhost </a:t>
             </a:r>
             <a:r>
               <a:rPr lang="en-US" dirty="0" err="1">
                 <a:solidFill>
-                  <a:srgbClr val="FF0000"/>
-                </a:solidFill>
-              </a:rPr>
-              <a:t>localhost</a:t>
-            </a:r>
-            <a:r>
-              <a:rPr lang="en-US" dirty="0">
-                <a:solidFill>
-                  <a:srgbClr val="FF0000"/>
-                </a:solidFill>
-              </a:rPr>
-              <a:t> </a:t>
-            </a:r>
-            <a:r>
-              <a:rPr lang="en-US" dirty="0" err="1">
-                <a:solidFill>
-                  <a:srgbClr val="FF0000"/>
+                  <a:srgbClr val="FF8700"/>
                 </a:solidFill>
               </a:rPr>
               <a:t>stdout</a:t>
@@ -28512,117 +28492,84 @@
             <a:r>
               <a:rPr lang="en-US" dirty="0">
                 <a:solidFill>
+                  <a:srgbClr val="FF8700"/>
+                </a:solidFill>
+              </a:rPr>
+              <a:t> should match /Welcome Home/</a:t>
+            </a:r>
+          </a:p>
+          <a:p>
+            <a:r>
+              <a:rPr lang="en-US" dirty="0">
+                <a:solidFill>
+                  <a:srgbClr val="FF8700"/>
+                </a:solidFill>
+              </a:rPr>
+              <a:t>     expected "" to match /Welcome Home/</a:t>
+            </a:r>
+          </a:p>
+          <a:p>
+            <a:r>
+              <a:rPr lang="en-US" dirty="0">
+                <a:solidFill>
+                  <a:srgbClr val="FF8700"/>
+                </a:solidFill>
+              </a:rPr>
+              <a:t>     Diff:     @@ -1,2 +1,2 @@</a:t>
+            </a:r>
+          </a:p>
+          <a:p>
+            <a:r>
+              <a:rPr lang="en-US" dirty="0">
+                <a:solidFill>
+                  <a:srgbClr val="FF8700"/>
+                </a:solidFill>
+              </a:rPr>
+              <a:t>     -/Hello, world/</a:t>
+            </a:r>
+          </a:p>
+          <a:p>
+            <a:r>
+              <a:rPr lang="en-US" dirty="0">
+                <a:solidFill>
+                  <a:srgbClr val="FF8700"/>
+                </a:solidFill>
+              </a:rPr>
+              <a:t>     +""</a:t>
+            </a:r>
+          </a:p>
+          <a:p>
+            <a:r>
+              <a:rPr lang="en-US" dirty="0"/>
+              <a:t>Test Summary:</a:t>
+            </a:r>
+            <a:r>
+              <a:rPr lang="en-US" dirty="0">
+                <a:solidFill>
+                  <a:srgbClr val="FDB714"/>
+                </a:solidFill>
+              </a:rPr>
+              <a:t> 0 successful</a:t>
+            </a:r>
+            <a:r>
+              <a:rPr lang="en-US" dirty="0">
+                <a:solidFill>
                   <a:srgbClr val="FF0000"/>
                 </a:solidFill>
               </a:rPr>
-              <a:t> should match /Welcome Home/ (expected "" to match /Welcome Home/</a:t>
-            </a:r>
-          </a:p>
-          <a:p>
+              <a:t>, </a:t>
+            </a:r>
             <a:r>
               <a:rPr lang="en-US" dirty="0">
                 <a:solidFill>
-                  <a:srgbClr val="FF0000"/>
+                  <a:srgbClr val="CB4B15"/>
                 </a:solidFill>
               </a:rPr>
-              <a:t>     Diff:</a:t>
-            </a:r>
-          </a:p>
-          <a:p>
-            <a:r>
-              <a:rPr lang="en-US" dirty="0">
-                <a:solidFill>
-                  <a:srgbClr val="FF0000"/>
-                </a:solidFill>
-              </a:rPr>
-              <a:t>     </a:t>
-            </a:r>
-            <a:r>
-              <a:rPr lang="en-US" dirty="0">
-                <a:solidFill>
-                  <a:schemeClr val="accent4"/>
-                </a:solidFill>
-              </a:rPr>
-              <a:t>@@ -1,2 +1,2 @@</a:t>
-            </a:r>
-          </a:p>
-          <a:p>
-            <a:r>
-              <a:rPr lang="en-US" dirty="0">
-                <a:solidFill>
-                  <a:srgbClr val="FF0000"/>
-                </a:solidFill>
-              </a:rPr>
-              <a:t>     -/Welcome Home/</a:t>
-            </a:r>
-          </a:p>
-          <a:p>
-            <a:r>
-              <a:rPr lang="en-US" dirty="0">
-                <a:solidFill>
-                  <a:srgbClr val="FF0000"/>
-                </a:solidFill>
-              </a:rPr>
-              <a:t>     </a:t>
-            </a:r>
-            <a:r>
-              <a:rPr lang="en-US" dirty="0">
-                <a:solidFill>
-                  <a:schemeClr val="accent6"/>
-                </a:solidFill>
-              </a:rPr>
-              <a:t>+""</a:t>
-            </a:r>
-          </a:p>
-          <a:p>
-            <a:r>
-              <a:rPr lang="en-US" dirty="0">
-                <a:solidFill>
-                  <a:schemeClr val="accent6"/>
-                </a:solidFill>
-              </a:rPr>
-              <a:t>     )</a:t>
-            </a:r>
-          </a:p>
-          <a:p>
-            <a:endParaRPr lang="en-US" dirty="0">
-              <a:solidFill>
-                <a:srgbClr val="FF0000"/>
-              </a:solidFill>
-            </a:endParaRPr>
-          </a:p>
-          <a:p>
-            <a:r>
-              <a:rPr lang="en-US" dirty="0">
-                <a:solidFill>
-                  <a:srgbClr val="FF0000"/>
-                </a:solidFill>
-              </a:rPr>
-              <a:t>Summary</a:t>
-            </a:r>
-            <a:r>
-              <a:rPr lang="en-US" dirty="0">
-                <a:solidFill>
-                  <a:srgbClr val="FDB714"/>
-                </a:solidFill>
-              </a:rPr>
-              <a:t>: 0 successful</a:t>
-            </a:r>
-            <a:r>
-              <a:rPr lang="en-US" dirty="0">
-                <a:solidFill>
-                  <a:srgbClr val="FF0000"/>
-                </a:solidFill>
-              </a:rPr>
-              <a:t>, 2 failures, </a:t>
-            </a:r>
-            <a:r>
-              <a:rPr lang="en-US" dirty="0">
-                <a:solidFill>
-                  <a:srgbClr val="7F7F7F"/>
-                </a:solidFill>
-              </a:rPr>
-              <a:t>0 skipped</a:t>
+              <a:t>2 failures</a:t>
+            </a:r>
+            <a:r>
+              <a:rPr lang="en-US" dirty="0"/>
+              <a:t>, 0 skipped</a:t>
             </a:r>
             <a:endParaRPr lang="en-US" dirty="0">
               <a:solidFill>
@@ -28897,7 +28844,7 @@
           <a:p>
             <a:r>
               <a:rPr lang="en-US" dirty="0"/>
-              <a:t># Copyright (c) 2017 The Authors, All Rights Reserved.</a:t>
+              <a:t># Copyright (c) 2018 The Authors, All Rights Reserved.</a:t>
             </a:r>
           </a:p>
           <a:p>
@@ -29196,7 +29143,7 @@
           <a:p>
             <a:r>
               <a:rPr lang="en-US" dirty="0"/>
-              <a:t>-----&gt; Starting Kitchen (v1.11.1)</a:t>
+              <a:t>-----&gt; Starting Kitchen (v1.19.2)</a:t>
             </a:r>
           </a:p>
           <a:p>
@@ -29584,13 +29531,13 @@
           <a:lstStyle/>
           <a:p>
             <a:r>
-              <a:rPr lang="en-US" dirty="0"/>
-              <a:t>-----&gt; Starting Kitchen (v1.11.1)</a:t>
-            </a:r>
-          </a:p>
-          <a:p>
-            <a:r>
-              <a:rPr lang="en-US" dirty="0">
+              <a:rPr lang="en-US" sz="2400" dirty="0"/>
+              <a:t>-----&gt; Starting Kitchen (v1.19.2)</a:t>
+            </a:r>
+          </a:p>
+          <a:p>
+            <a:r>
+              <a:rPr lang="en-US" sz="2400" dirty="0">
                 <a:solidFill>
                   <a:schemeClr val="accent5"/>
                 </a:solidFill>
@@ -29600,7 +29547,7 @@
           </a:p>
           <a:p>
             <a:r>
-              <a:rPr lang="en-US" dirty="0">
+              <a:rPr lang="en-US" sz="2400" dirty="0">
                 <a:solidFill>
                   <a:schemeClr val="accent5"/>
                 </a:solidFill>
@@ -29609,79 +29556,110 @@
             </a:r>
           </a:p>
           <a:p>
-            <a:endParaRPr lang="en-US" dirty="0"/>
-          </a:p>
-          <a:p>
-            <a:r>
-              <a:rPr lang="en-US" dirty="0"/>
+            <a:r>
+              <a:rPr lang="en-US" sz="2400" dirty="0"/>
+              <a:t>...</a:t>
+            </a:r>
+          </a:p>
+          <a:p>
+            <a:r>
+              <a:rPr lang="en-US" sz="2400" dirty="0"/>
               <a:t>Target:  </a:t>
             </a:r>
             <a:r>
-              <a:rPr lang="en-US" dirty="0" err="1"/>
+              <a:rPr lang="en-US" sz="2400" dirty="0" err="1"/>
               <a:t>ssh</a:t>
             </a:r>
             <a:r>
-              <a:rPr lang="en-US" dirty="0"/>
+              <a:rPr lang="en-US" sz="2400" dirty="0"/>
               <a:t>://kitchen@localhost:32768</a:t>
             </a:r>
           </a:p>
           <a:p>
-            <a:endParaRPr lang="en-US" dirty="0"/>
-          </a:p>
-          <a:p>
-            <a:r>
-              <a:rPr lang="en-US" dirty="0">
+            <a:endParaRPr lang="en-US" sz="2400" dirty="0"/>
+          </a:p>
+          <a:p>
+            <a:r>
+              <a:rPr lang="en-US" sz="2400" dirty="0">
                 <a:solidFill>
                   <a:schemeClr val="accent6"/>
                 </a:solidFill>
               </a:rPr>
-              <a:t>  ✔  Port 80 should be listening</a:t>
-            </a:r>
-          </a:p>
-          <a:p>
-            <a:r>
-              <a:rPr lang="en-US" dirty="0">
+              <a:t>  </a:t>
+            </a:r>
+            <a:r>
+              <a:rPr lang="en-US" sz="2400" dirty="0">
+                <a:solidFill>
+                  <a:schemeClr val="bg1"/>
+                </a:solidFill>
+              </a:rPr>
+              <a:t>Port 80</a:t>
+            </a:r>
+          </a:p>
+          <a:p>
+            <a:r>
+              <a:rPr lang="en-US" sz="2400" dirty="0">
                 <a:solidFill>
                   <a:schemeClr val="accent6"/>
                 </a:solidFill>
               </a:rPr>
-              <a:t>  ✔  Command curl </a:t>
-            </a:r>
-            <a:r>
-              <a:rPr lang="en-US" dirty="0" err="1">
+              <a:t>     </a:t>
+            </a:r>
+            <a:r>
+              <a:rPr lang="en-US" sz="2400" dirty="0">
+                <a:solidFill>
+                  <a:srgbClr val="01D75F"/>
+                </a:solidFill>
+              </a:rPr>
+              <a:t>✔  should be listening</a:t>
+            </a:r>
+          </a:p>
+          <a:p>
+            <a:r>
+              <a:rPr lang="en-US" sz="2400" dirty="0">
+                <a:solidFill>
+                  <a:schemeClr val="bg1"/>
+                </a:solidFill>
+              </a:rPr>
+              <a:t>  Command curl</a:t>
+            </a:r>
+          </a:p>
+          <a:p>
+            <a:r>
+              <a:rPr lang="en-US" sz="2400" dirty="0">
                 <a:solidFill>
                   <a:schemeClr val="accent6"/>
                 </a:solidFill>
               </a:rPr>
-              <a:t>localhost</a:t>
-            </a:r>
-            <a:r>
-              <a:rPr lang="en-US" dirty="0">
-                <a:solidFill>
-                  <a:schemeClr val="accent6"/>
+              <a:t>     </a:t>
+            </a:r>
+            <a:r>
+              <a:rPr lang="en-US" sz="2400" dirty="0">
+                <a:solidFill>
+                  <a:srgbClr val="01D75F"/>
                 </a:solidFill>
               </a:rPr>
-              <a:t> </a:t>
-            </a:r>
-            <a:r>
-              <a:rPr lang="en-US" dirty="0" err="1">
-                <a:solidFill>
-                  <a:schemeClr val="accent6"/>
+              <a:t>✔  Command curl localhost </a:t>
+            </a:r>
+            <a:r>
+              <a:rPr lang="en-US" sz="2400" dirty="0" err="1">
+                <a:solidFill>
+                  <a:srgbClr val="01D75F"/>
                 </a:solidFill>
               </a:rPr>
               <a:t>stdout</a:t>
             </a:r>
             <a:r>
-              <a:rPr lang="en-US" dirty="0">
-                <a:solidFill>
-                  <a:schemeClr val="accent6"/>
+              <a:rPr lang="en-US" sz="2400" dirty="0">
+                <a:solidFill>
+                  <a:srgbClr val="01D75F"/>
                 </a:solidFill>
               </a:rPr>
               <a:t> should match /Welcome Home/</a:t>
             </a:r>
           </a:p>
           <a:p>
-            <a:endParaRPr lang="en-US" dirty="0">
+            <a:endParaRPr lang="en-US" sz="2400" dirty="0">
               <a:solidFill>
                 <a:schemeClr val="accent6"/>
               </a:solidFill>
@@ -29689,42 +29667,28 @@
           </a:p>
           <a:p>
             <a:r>
-              <a:rPr lang="en-US" dirty="0"/>
+              <a:rPr lang="en-US" sz="2400" dirty="0">
+                <a:solidFill>
+                  <a:schemeClr val="bg1"/>
+                </a:solidFill>
+              </a:rPr>
               <a:t>Summary: </a:t>
             </a:r>
             <a:r>
-              <a:rPr lang="en-US" dirty="0">
-                <a:solidFill>
-                  <a:schemeClr val="accent6"/>
+              <a:rPr lang="en-US" sz="2400" dirty="0">
+                <a:solidFill>
+                  <a:srgbClr val="01D75F"/>
                 </a:solidFill>
               </a:rPr>
               <a:t>2 successful</a:t>
             </a:r>
             <a:r>
-              <a:rPr lang="en-US" dirty="0"/>
-              <a:t>, </a:t>
-            </a:r>
-            <a:r>
-              <a:rPr lang="en-US" dirty="0">
-                <a:solidFill>
-                  <a:srgbClr val="FF0000"/>
+              <a:rPr lang="en-US" sz="2400" dirty="0">
+                <a:solidFill>
+                  <a:schemeClr val="bg1"/>
                 </a:solidFill>
               </a:rPr>
-              <a:t>0 failures</a:t>
-            </a:r>
-            <a:r>
-              <a:rPr lang="en-US" dirty="0"/>
-              <a:t>, </a:t>
-            </a:r>
-            <a:r>
-              <a:rPr lang="en-US" dirty="0">
-                <a:solidFill>
-                  <a:schemeClr val="bg1">
-                    <a:lumMod val="50000"/>
-                  </a:schemeClr>
-                </a:solidFill>
-              </a:rPr>
-              <a:t>0 skipped</a:t>
+              <a:t>, 0 failures, 0 skipped</a:t>
             </a:r>
           </a:p>
         </p:txBody>
@@ -29763,7 +29727,7 @@
         </p:nvSpPr>
         <p:spPr>
           <a:xfrm>
-            <a:off x="1127883" y="7073457"/>
+            <a:off x="1121104" y="7339230"/>
             <a:ext cx="14420850" cy="557213"/>
           </a:xfrm>
         </p:spPr>
@@ -32124,6 +32088,18 @@
 </file>
 
 <file path=customXml/item1.xml><?xml version="1.0" encoding="utf-8"?>
+<p:properties xmlns:p="http://schemas.microsoft.com/office/2006/metadata/properties" xmlns:xsi="http://www.w3.org/2001/XMLSchema-instance" xmlns:pc="http://schemas.microsoft.com/office/infopath/2007/PartnerControls">
+  <documentManagement>
+    <_dlc_DocId xmlns="7bb5d761-a2ea-4873-95f7-7a6658fb3ef0">M4CWTKMW727E-592-73</_dlc_DocId>
+    <_dlc_DocIdUrl xmlns="7bb5d761-a2ea-4873-95f7-7a6658fb3ef0">
+      <Url>https://kms.vci.local/marketing/team/_layouts/DocIdRedir.aspx?ID=M4CWTKMW727E-592-73</Url>
+      <Description>M4CWTKMW727E-592-73</Description>
+    </_dlc_DocIdUrl>
+  </documentManagement>
+</p:properties>
+</file>
+
+<file path=customXml/item2.xml><?xml version="1.0" encoding="utf-8"?>
 <?mso-contentType ?>
 <FormTemplates xmlns="http://schemas.microsoft.com/sharepoint/v3/contenttype/forms">
   <Display>DocumentLibraryForm</Display>
@@ -32132,7 +32108,7 @@
 </FormTemplates>
 </file>
 
-<file path=customXml/item2.xml><?xml version="1.0" encoding="utf-8"?>
+<file path=customXml/item3.xml><?xml version="1.0" encoding="utf-8"?>
 <ct:contentTypeSchema xmlns:ct="http://schemas.microsoft.com/office/2006/metadata/contentType" xmlns:ma="http://schemas.microsoft.com/office/2006/metadata/properties/metaAttributes" ct:_="" ma:_="" ma:contentTypeName="Document" ma:contentTypeID="0x0101000812F700BE7F874999720E88173FE491" ma:contentTypeVersion="0" ma:contentTypeDescription="Create a new document." ma:contentTypeScope="" ma:versionID="3f79f408e2ca720b7aba6e0e32464d0c">
   <xsd:schema xmlns:xsd="http://www.w3.org/2001/XMLSchema" xmlns:xs="http://www.w3.org/2001/XMLSchema" xmlns:p="http://schemas.microsoft.com/office/2006/metadata/properties" xmlns:ns2="7bb5d761-a2ea-4873-95f7-7a6658fb3ef0" targetNamespace="http://schemas.microsoft.com/office/2006/metadata/properties" ma:root="true" ma:fieldsID="1e062cd38ba31e406bfc4340fbc7f87a" ns2:_="">
     <xsd:import namespace="7bb5d761-a2ea-4873-95f7-7a6658fb3ef0"/>
@@ -32277,18 +32253,6 @@
 </ct:contentTypeSchema>
 </file>
 
-<file path=customXml/item3.xml><?xml version="1.0" encoding="utf-8"?>
-<p:properties xmlns:p="http://schemas.microsoft.com/office/2006/metadata/properties" xmlns:xsi="http://www.w3.org/2001/XMLSchema-instance" xmlns:pc="http://schemas.microsoft.com/office/infopath/2007/PartnerControls">
-  <documentManagement>
-    <_dlc_DocId xmlns="7bb5d761-a2ea-4873-95f7-7a6658fb3ef0">M4CWTKMW727E-592-73</_dlc_DocId>
-    <_dlc_DocIdUrl xmlns="7bb5d761-a2ea-4873-95f7-7a6658fb3ef0">
-      <Url>https://kms.vci.local/marketing/team/_layouts/DocIdRedir.aspx?ID=M4CWTKMW727E-592-73</Url>
-      <Description>M4CWTKMW727E-592-73</Description>
-    </_dlc_DocIdUrl>
-  </documentManagement>
-</p:properties>
-</file>
-
 <file path=customXml/item4.xml><?xml version="1.0" encoding="utf-8"?>
 <?mso-contentType ?>
 <spe:Receivers xmlns:spe="http://schemas.microsoft.com/sharepoint/events">
@@ -32336,6 +32300,22 @@
 </file>
 
 <file path=customXml/itemProps1.xml><?xml version="1.0" encoding="utf-8"?>
+<ds:datastoreItem xmlns:ds="http://schemas.openxmlformats.org/officeDocument/2006/customXml" ds:itemID="{6921749B-AEB7-461B-845F-603CABD25259}">
+  <ds:schemaRefs>
+    <ds:schemaRef ds:uri="7bb5d761-a2ea-4873-95f7-7a6658fb3ef0"/>
+    <ds:schemaRef ds:uri="http://purl.org/dc/terms/"/>
+    <ds:schemaRef ds:uri="http://schemas.openxmlformats.org/package/2006/metadata/core-properties"/>
+    <ds:schemaRef ds:uri="http://purl.org/dc/dcmitype/"/>
+    <ds:schemaRef ds:uri="http://schemas.microsoft.com/office/infopath/2007/PartnerControls"/>
+    <ds:schemaRef ds:uri="http://schemas.microsoft.com/office/2006/documentManagement/types"/>
+    <ds:schemaRef ds:uri="http://purl.org/dc/elements/1.1/"/>
+    <ds:schemaRef ds:uri="http://schemas.microsoft.com/office/2006/metadata/properties"/>
+    <ds:schemaRef ds:uri="http://www.w3.org/XML/1998/namespace"/>
+  </ds:schemaRefs>
+</ds:datastoreItem>
+</file>
+
+<file path=customXml/itemProps2.xml><?xml version="1.0" encoding="utf-8"?>
 <ds:datastoreItem xmlns:ds="http://schemas.openxmlformats.org/officeDocument/2006/customXml" ds:itemID="{5CDEB364-43EC-4510-9881-539C2A3FCE9E}">
   <ds:schemaRefs>
     <ds:schemaRef ds:uri="http://schemas.microsoft.com/sharepoint/v3/contenttype/forms"/>
@@ -32343,7 +32323,7 @@
 </ds:datastoreItem>
 </file>
 
-<file path=customXml/itemProps2.xml><?xml version="1.0" encoding="utf-8"?>
+<file path=customXml/itemProps3.xml><?xml version="1.0" encoding="utf-8"?>
 <ds:datastoreItem xmlns:ds="http://schemas.openxmlformats.org/officeDocument/2006/customXml" ds:itemID="{164479E5-0B02-49AC-B79E-EC1D6164DDD3}">
   <ds:schemaRefs>
     <ds:schemaRef ds:uri="http://schemas.microsoft.com/office/2006/metadata/contentType"/>
@@ -32361,22 +32341,6 @@
 </ds:datastoreItem>
 </file>
 
-<file path=customXml/itemProps3.xml><?xml version="1.0" encoding="utf-8"?>
-<ds:datastoreItem xmlns:ds="http://schemas.openxmlformats.org/officeDocument/2006/customXml" ds:itemID="{6921749B-AEB7-461B-845F-603CABD25259}">
-  <ds:schemaRefs>
-    <ds:schemaRef ds:uri="7bb5d761-a2ea-4873-95f7-7a6658fb3ef0"/>
-    <ds:schemaRef ds:uri="http://purl.org/dc/terms/"/>
-    <ds:schemaRef ds:uri="http://schemas.openxmlformats.org/package/2006/metadata/core-properties"/>
-    <ds:schemaRef ds:uri="http://purl.org/dc/dcmitype/"/>
-    <ds:schemaRef ds:uri="http://schemas.microsoft.com/office/infopath/2007/PartnerControls"/>
-    <ds:schemaRef ds:uri="http://schemas.microsoft.com/office/2006/documentManagement/types"/>
-    <ds:schemaRef ds:uri="http://purl.org/dc/elements/1.1/"/>
-    <ds:schemaRef ds:uri="http://schemas.microsoft.com/office/2006/metadata/properties"/>
-    <ds:schemaRef ds:uri="http://www.w3.org/XML/1998/namespace"/>
-  </ds:schemaRefs>
-</ds:datastoreItem>
-</file>
-
 <file path=customXml/itemProps4.xml><?xml version="1.0" encoding="utf-8"?>
 <ds:datastoreItem xmlns:ds="http://schemas.openxmlformats.org/officeDocument/2006/customXml" ds:itemID="{B13EBC30-FE27-4C6A-B723-23FC2188F7DC}">
   <ds:schemaRefs>
